--- a/Fraud Analysis Presentation.pptx
+++ b/Fraud Analysis Presentation.pptx
@@ -16726,7 +16726,7 @@
 <dgm:dataModel xmlns:dgm="http://schemas.openxmlformats.org/drawingml/2006/diagram" xmlns:a="http://schemas.openxmlformats.org/drawingml/2006/main">
   <dgm:ptLst>
     <dgm:pt modelId="{5608EBD6-B194-4C18-A69F-AAC147A71CEA}" type="doc">
-      <dgm:prSet loTypeId="urn:microsoft.com/office/officeart/2005/8/layout/vList2" loCatId="list" qsTypeId="urn:microsoft.com/office/officeart/2005/8/quickstyle/simple1" qsCatId="simple" csTypeId="urn:microsoft.com/office/officeart/2005/8/colors/accent1_2" csCatId="accent1"/>
+      <dgm:prSet loTypeId="urn:microsoft.com/office/officeart/2005/8/layout/vList2" loCatId="list" qsTypeId="urn:microsoft.com/office/officeart/2005/8/quickstyle/simple1" qsCatId="simple" csTypeId="urn:microsoft.com/office/officeart/2005/8/colors/accent1_2" csCatId="accent1" phldr="1"/>
       <dgm:spPr/>
       <dgm:t>
         <a:bodyPr/>
@@ -16816,8 +16816,16 @@
         <a:lstStyle/>
         <a:p>
           <a:r>
-            <a:rPr lang="en-US"/>
-            <a:t>0 = Benign Transaction</a:t>
+            <a:rPr lang="en-US" dirty="0"/>
+            <a:t>Blue = Benign Transactions</a:t>
+          </a:r>
+          <a:r>
+            <a:rPr lang="ar-JO" dirty="0"/>
+            <a:t> </a:t>
+          </a:r>
+          <a:r>
+            <a:rPr lang="en-US" dirty="0"/>
+            <a:t>98.8% (587443 Transactions)</a:t>
           </a:r>
         </a:p>
       </dgm:t>
@@ -16852,8 +16860,8 @@
         <a:lstStyle/>
         <a:p>
           <a:r>
-            <a:rPr lang="en-US"/>
-            <a:t>1 = Fraud Transaction</a:t>
+            <a:rPr lang="en-US" dirty="0"/>
+            <a:t>Red = Fraud Transactions 1.2% (7200 Transactions)</a:t>
           </a:r>
         </a:p>
       </dgm:t>
@@ -22597,8 +22605,16 @@
             <a:buChar char="•"/>
           </a:pPr>
           <a:r>
-            <a:rPr lang="en-US" sz="1200" kern="1200"/>
-            <a:t>0 = Benign Transaction</a:t>
+            <a:rPr lang="en-US" sz="1200" kern="1200" dirty="0"/>
+            <a:t>Blue = Benign Transactions</a:t>
+          </a:r>
+          <a:r>
+            <a:rPr lang="ar-JO" sz="1200" kern="1200" dirty="0"/>
+            <a:t> </a:t>
+          </a:r>
+          <a:r>
+            <a:rPr lang="en-US" sz="1200" kern="1200" dirty="0"/>
+            <a:t>98.8% (587443 Transactions)</a:t>
           </a:r>
         </a:p>
         <a:p>
@@ -22615,8 +22631,8 @@
             <a:buChar char="•"/>
           </a:pPr>
           <a:r>
-            <a:rPr lang="en-US" sz="1200" kern="1200"/>
-            <a:t>1 = Fraud Transaction</a:t>
+            <a:rPr lang="en-US" sz="1200" kern="1200" dirty="0"/>
+            <a:t>Red = Fraud Transactions 1.2% (7200 Transactions)</a:t>
           </a:r>
         </a:p>
       </dsp:txBody>
@@ -43375,209 +43391,6 @@
           <inkml:channelProperty channel="Y" name="resolution" value="1000" units="1/cm"/>
         </inkml:channelProperties>
       </inkml:inkSource>
-      <inkml:timestamp xml:id="ts0" timeString="2024-04-13T17:36:16.710"/>
-    </inkml:context>
-    <inkml:brush xml:id="br0">
-      <inkml:brushProperty name="width" value="0.3" units="cm"/>
-      <inkml:brushProperty name="height" value="0.6" units="cm"/>
-      <inkml:brushProperty name="color" value="#FFFC00"/>
-      <inkml:brushProperty name="tip" value="rectangle"/>
-      <inkml:brushProperty name="rasterOp" value="maskPen"/>
-      <inkml:brushProperty name="ignorePressure" value="1"/>
-    </inkml:brush>
-  </inkml:definitions>
-  <inkml:trace contextRef="#ctx0" brushRef="#br0">0 1,'678'0,"-655"0</inkml:trace>
-</inkml:ink>
-</file>
-
-<file path=ppt/ink/ink2.xml><?xml version="1.0" encoding="utf-8"?>
-<inkml:ink xmlns:inkml="http://www.w3.org/2003/InkML">
-  <inkml:definitions>
-    <inkml:context xml:id="ctx0">
-      <inkml:inkSource xml:id="inkSrc0">
-        <inkml:traceFormat>
-          <inkml:channel name="X" type="integer" min="-2.14748E9" max="2.14748E9" units="cm"/>
-          <inkml:channel name="Y" type="integer" min="-2.14748E9" max="2.14748E9" units="cm"/>
-        </inkml:traceFormat>
-        <inkml:channelProperties>
-          <inkml:channelProperty channel="X" name="resolution" value="1000" units="1/cm"/>
-          <inkml:channelProperty channel="Y" name="resolution" value="1000" units="1/cm"/>
-        </inkml:channelProperties>
-      </inkml:inkSource>
-      <inkml:timestamp xml:id="ts0" timeString="2024-04-13T17:36:21.227"/>
-    </inkml:context>
-    <inkml:brush xml:id="br0">
-      <inkml:brushProperty name="width" value="0.3" units="cm"/>
-      <inkml:brushProperty name="height" value="0.6" units="cm"/>
-      <inkml:brushProperty name="color" value="#FFFC00"/>
-      <inkml:brushProperty name="tip" value="rectangle"/>
-      <inkml:brushProperty name="rasterOp" value="maskPen"/>
-      <inkml:brushProperty name="ignorePressure" value="1"/>
-    </inkml:brush>
-  </inkml:definitions>
-  <inkml:trace contextRef="#ctx0" brushRef="#br0">1 2,'139'-2,"150"5,-120 24,-146-26</inkml:trace>
-</inkml:ink>
-</file>
-
-<file path=ppt/ink/ink3.xml><?xml version="1.0" encoding="utf-8"?>
-<inkml:ink xmlns:inkml="http://www.w3.org/2003/InkML">
-  <inkml:definitions>
-    <inkml:context xml:id="ctx0">
-      <inkml:inkSource xml:id="inkSrc0">
-        <inkml:traceFormat>
-          <inkml:channel name="X" type="integer" min="-2.14748E9" max="2.14748E9" units="cm"/>
-          <inkml:channel name="Y" type="integer" min="-2.14748E9" max="2.14748E9" units="cm"/>
-        </inkml:traceFormat>
-        <inkml:channelProperties>
-          <inkml:channelProperty channel="X" name="resolution" value="1000" units="1/cm"/>
-          <inkml:channelProperty channel="Y" name="resolution" value="1000" units="1/cm"/>
-        </inkml:channelProperties>
-      </inkml:inkSource>
-      <inkml:timestamp xml:id="ts0" timeString="2024-04-13T17:36:23.939"/>
-    </inkml:context>
-    <inkml:brush xml:id="br0">
-      <inkml:brushProperty name="width" value="0.3" units="cm"/>
-      <inkml:brushProperty name="height" value="0.6" units="cm"/>
-      <inkml:brushProperty name="color" value="#FFFC00"/>
-      <inkml:brushProperty name="tip" value="rectangle"/>
-      <inkml:brushProperty name="rasterOp" value="maskPen"/>
-      <inkml:brushProperty name="ignorePressure" value="1"/>
-    </inkml:brush>
-  </inkml:definitions>
-  <inkml:trace contextRef="#ctx0" brushRef="#br0">1 3,'57'-1,"58"0,-98 2,1 0,-1 1,0 2,24 6,-12 0,0-2,1-1,0-1,0-1,55 0,34-6,-27 0,172 17,-187-8,147-4,-132-5,-63 1</inkml:trace>
-</inkml:ink>
-</file>
-
-<file path=ppt/ink/ink4.xml><?xml version="1.0" encoding="utf-8"?>
-<inkml:ink xmlns:inkml="http://www.w3.org/2003/InkML">
-  <inkml:definitions>
-    <inkml:context xml:id="ctx0">
-      <inkml:inkSource xml:id="inkSrc0">
-        <inkml:traceFormat>
-          <inkml:channel name="X" type="integer" min="-2.14748E9" max="2.14748E9" units="cm"/>
-          <inkml:channel name="Y" type="integer" min="-2.14748E9" max="2.14748E9" units="cm"/>
-        </inkml:traceFormat>
-        <inkml:channelProperties>
-          <inkml:channelProperty channel="X" name="resolution" value="1000" units="1/cm"/>
-          <inkml:channelProperty channel="Y" name="resolution" value="1000" units="1/cm"/>
-        </inkml:channelProperties>
-      </inkml:inkSource>
-      <inkml:timestamp xml:id="ts0" timeString="2024-04-13T17:36:26.026"/>
-    </inkml:context>
-    <inkml:brush xml:id="br0">
-      <inkml:brushProperty name="width" value="0.3" units="cm"/>
-      <inkml:brushProperty name="height" value="0.6" units="cm"/>
-      <inkml:brushProperty name="color" value="#FFFC00"/>
-      <inkml:brushProperty name="tip" value="rectangle"/>
-      <inkml:brushProperty name="rasterOp" value="maskPen"/>
-      <inkml:brushProperty name="ignorePressure" value="1"/>
-    </inkml:brush>
-  </inkml:definitions>
-  <inkml:trace contextRef="#ctx0" brushRef="#br0">1 0,'168'14,"-23"0,507-11,-331-6,960 3,-1256 0</inkml:trace>
-</inkml:ink>
-</file>
-
-<file path=ppt/ink/ink5.xml><?xml version="1.0" encoding="utf-8"?>
-<inkml:ink xmlns:inkml="http://www.w3.org/2003/InkML">
-  <inkml:definitions>
-    <inkml:context xml:id="ctx0">
-      <inkml:inkSource xml:id="inkSrc0">
-        <inkml:traceFormat>
-          <inkml:channel name="X" type="integer" min="-2.14748E9" max="2.14748E9" units="cm"/>
-          <inkml:channel name="Y" type="integer" min="-2.14748E9" max="2.14748E9" units="cm"/>
-        </inkml:traceFormat>
-        <inkml:channelProperties>
-          <inkml:channelProperty channel="X" name="resolution" value="1000" units="1/cm"/>
-          <inkml:channelProperty channel="Y" name="resolution" value="1000" units="1/cm"/>
-        </inkml:channelProperties>
-      </inkml:inkSource>
-      <inkml:timestamp xml:id="ts0" timeString="2024-04-13T17:36:29.040"/>
-    </inkml:context>
-    <inkml:brush xml:id="br0">
-      <inkml:brushProperty name="width" value="0.3" units="cm"/>
-      <inkml:brushProperty name="height" value="0.6" units="cm"/>
-      <inkml:brushProperty name="color" value="#FFFC00"/>
-      <inkml:brushProperty name="tip" value="rectangle"/>
-      <inkml:brushProperty name="rasterOp" value="maskPen"/>
-      <inkml:brushProperty name="ignorePressure" value="1"/>
-    </inkml:brush>
-  </inkml:definitions>
-  <inkml:trace contextRef="#ctx0" brushRef="#br0">1 76,'1107'0,"-1083"-1,0-2,33-7,30-2,-55 8,1-1,41-12,-4 0,-33 10</inkml:trace>
-</inkml:ink>
-</file>
-
-<file path=ppt/ink/ink6.xml><?xml version="1.0" encoding="utf-8"?>
-<inkml:ink xmlns:inkml="http://www.w3.org/2003/InkML">
-  <inkml:definitions>
-    <inkml:context xml:id="ctx0">
-      <inkml:inkSource xml:id="inkSrc0">
-        <inkml:traceFormat>
-          <inkml:channel name="X" type="integer" min="-2.14748E9" max="2.14748E9" units="cm"/>
-          <inkml:channel name="Y" type="integer" min="-2.14748E9" max="2.14748E9" units="cm"/>
-        </inkml:traceFormat>
-        <inkml:channelProperties>
-          <inkml:channelProperty channel="X" name="resolution" value="1000" units="1/cm"/>
-          <inkml:channelProperty channel="Y" name="resolution" value="1000" units="1/cm"/>
-        </inkml:channelProperties>
-      </inkml:inkSource>
-      <inkml:timestamp xml:id="ts0" timeString="2024-04-13T17:36:31.407"/>
-    </inkml:context>
-    <inkml:brush xml:id="br0">
-      <inkml:brushProperty name="width" value="0.3" units="cm"/>
-      <inkml:brushProperty name="height" value="0.6" units="cm"/>
-      <inkml:brushProperty name="color" value="#FFFC00"/>
-      <inkml:brushProperty name="tip" value="rectangle"/>
-      <inkml:brushProperty name="rasterOp" value="maskPen"/>
-      <inkml:brushProperty name="ignorePressure" value="1"/>
-    </inkml:brush>
-  </inkml:definitions>
-  <inkml:trace contextRef="#ctx0" brushRef="#br0">1 0,'1'2,"0"0,1 0,-1-1,1 1,-1 0,1-1,0 0,0 1,-1-1,1 0,0 0,0 0,0 0,0 0,0 0,3 0,39 8,-32-7,80 10,114 2,98-16,-111-1,1192 3,-1197-14,-19-1,-38 3,-69 4,-29 4</inkml:trace>
-</inkml:ink>
-</file>
-
-<file path=ppt/ink/ink7.xml><?xml version="1.0" encoding="utf-8"?>
-<inkml:ink xmlns:inkml="http://www.w3.org/2003/InkML">
-  <inkml:definitions>
-    <inkml:context xml:id="ctx0">
-      <inkml:inkSource xml:id="inkSrc0">
-        <inkml:traceFormat>
-          <inkml:channel name="X" type="integer" min="-2.14748E9" max="2.14748E9" units="cm"/>
-          <inkml:channel name="Y" type="integer" min="-2.14748E9" max="2.14748E9" units="cm"/>
-        </inkml:traceFormat>
-        <inkml:channelProperties>
-          <inkml:channelProperty channel="X" name="resolution" value="1000" units="1/cm"/>
-          <inkml:channelProperty channel="Y" name="resolution" value="1000" units="1/cm"/>
-        </inkml:channelProperties>
-      </inkml:inkSource>
-      <inkml:timestamp xml:id="ts0" timeString="2024-04-13T17:36:36.660"/>
-    </inkml:context>
-    <inkml:brush xml:id="br0">
-      <inkml:brushProperty name="width" value="0.3" units="cm"/>
-      <inkml:brushProperty name="height" value="0.6" units="cm"/>
-      <inkml:brushProperty name="color" value="#FFFC00"/>
-      <inkml:brushProperty name="tip" value="rectangle"/>
-      <inkml:brushProperty name="rasterOp" value="maskPen"/>
-      <inkml:brushProperty name="ignorePressure" value="1"/>
-    </inkml:brush>
-  </inkml:definitions>
-  <inkml:trace contextRef="#ctx0" brushRef="#br0">1 3,'280'-2,"304"4,-403 12,55 1,-190-13,1 2,-2 2,53 13,-31-8,1-4,128-2,56 4,-51 6,218-12,-211-5,863 2,-1047 0</inkml:trace>
-</inkml:ink>
-</file>
-
-<file path=ppt/ink/ink8.xml><?xml version="1.0" encoding="utf-8"?>
-<inkml:ink xmlns:inkml="http://www.w3.org/2003/InkML">
-  <inkml:definitions>
-    <inkml:context xml:id="ctx0">
-      <inkml:inkSource xml:id="inkSrc0">
-        <inkml:traceFormat>
-          <inkml:channel name="X" type="integer" min="-2.14748E9" max="2.14748E9" units="cm"/>
-          <inkml:channel name="Y" type="integer" min="-2.14748E9" max="2.14748E9" units="cm"/>
-        </inkml:traceFormat>
-        <inkml:channelProperties>
-          <inkml:channelProperty channel="X" name="resolution" value="1000" units="1/cm"/>
-          <inkml:channelProperty channel="Y" name="resolution" value="1000" units="1/cm"/>
-        </inkml:channelProperties>
-      </inkml:inkSource>
       <inkml:timestamp xml:id="ts0" timeString="2024-04-20T10:41:30.172"/>
     </inkml:context>
     <inkml:brush xml:id="br0">
@@ -43593,7 +43406,7 @@
 </inkml:ink>
 </file>
 
-<file path=ppt/ink/ink9.xml><?xml version="1.0" encoding="utf-8"?>
+<file path=ppt/ink/ink2.xml><?xml version="1.0" encoding="utf-8"?>
 <inkml:ink xmlns:inkml="http://www.w3.org/2003/InkML">
   <inkml:definitions>
     <inkml:context xml:id="ctx0">
@@ -49746,8 +49559,8 @@
           </a:prstGeom>
         </p:spPr>
       </p:pic>
-      <mc:AlternateContent xmlns:mc="http://schemas.openxmlformats.org/markup-compatibility/2006">
-        <mc:Choice xmlns:p14="http://schemas.microsoft.com/office/powerpoint/2010/main" Requires="p14">
+      <mc:AlternateContent xmlns:mc="http://schemas.openxmlformats.org/markup-compatibility/2006" xmlns:p14="http://schemas.microsoft.com/office/powerpoint/2010/main">
+        <mc:Choice Requires="p14">
           <p:contentPart p14:bwMode="auto" r:id="rId9">
             <p14:nvContentPartPr>
               <p14:cNvPr id="4" name="Ink 3">
@@ -49766,7 +49579,7 @@
             </p14:xfrm>
           </p:contentPart>
         </mc:Choice>
-        <mc:Fallback>
+        <mc:Fallback xmlns="">
           <p:pic>
             <p:nvPicPr>
               <p:cNvPr id="4" name="Ink 3">
@@ -50327,8 +50140,8 @@
           </a:prstGeom>
         </p:spPr>
       </p:pic>
-      <mc:AlternateContent xmlns:mc="http://schemas.openxmlformats.org/markup-compatibility/2006">
-        <mc:Choice xmlns:p14="http://schemas.microsoft.com/office/powerpoint/2010/main" Requires="p14">
+      <mc:AlternateContent xmlns:mc="http://schemas.openxmlformats.org/markup-compatibility/2006" xmlns:p14="http://schemas.microsoft.com/office/powerpoint/2010/main">
+        <mc:Choice Requires="p14">
           <p:contentPart p14:bwMode="auto" r:id="rId9">
             <p14:nvContentPartPr>
               <p14:cNvPr id="3" name="Ink 2">
@@ -50347,7 +50160,7 @@
             </p14:xfrm>
           </p:contentPart>
         </mc:Choice>
-        <mc:Fallback>
+        <mc:Fallback xmlns="">
           <p:pic>
             <p:nvPicPr>
               <p:cNvPr id="3" name="Ink 2">
@@ -53997,13 +53810,13 @@
         </p:nvPicPr>
         <p:blipFill rotWithShape="1">
           <a:blip r:embed="rId2"/>
-          <a:srcRect l="10891"/>
+          <a:srcRect l="10891" t="2776" b="70635"/>
           <a:stretch/>
         </p:blipFill>
         <p:spPr>
           <a:xfrm>
-            <a:off x="597285" y="1452074"/>
-            <a:ext cx="6549457" cy="3611524"/>
+            <a:off x="446625" y="1464750"/>
+            <a:ext cx="6549457" cy="960280"/>
           </a:xfrm>
           <a:prstGeom prst="rect">
             <a:avLst/>
@@ -54032,8 +53845,8 @@
         </p:blipFill>
         <p:spPr>
           <a:xfrm>
-            <a:off x="6398745" y="4201862"/>
-            <a:ext cx="5593057" cy="2323655"/>
+            <a:off x="6759527" y="4201863"/>
+            <a:ext cx="5232275" cy="2173767"/>
           </a:xfrm>
           <a:prstGeom prst="rect">
             <a:avLst/>
@@ -54220,363 +54033,36 @@
           </a:p>
         </p:txBody>
       </p:sp>
-      <mc:AlternateContent xmlns:mc="http://schemas.openxmlformats.org/markup-compatibility/2006" xmlns:p14="http://schemas.microsoft.com/office/powerpoint/2010/main">
-        <mc:Choice Requires="p14">
-          <p:contentPart p14:bwMode="auto" r:id="rId9">
-            <p14:nvContentPartPr>
-              <p14:cNvPr id="2" name="Ink 1">
-                <a:extLst>
-                  <a:ext uri="{FF2B5EF4-FFF2-40B4-BE49-F238E27FC236}">
-                    <a16:creationId xmlns:a16="http://schemas.microsoft.com/office/drawing/2014/main" id="{DE196E0B-D176-A559-6175-A6F0FFE13AC7}"/>
-                  </a:ext>
-                </a:extLst>
-              </p14:cNvPr>
-              <p14:cNvContentPartPr/>
-              <p14:nvPr/>
-            </p14:nvContentPartPr>
-            <p14:xfrm>
-              <a:off x="2416848" y="3129479"/>
-              <a:ext cx="252720" cy="360"/>
-            </p14:xfrm>
-          </p:contentPart>
-        </mc:Choice>
-        <mc:Fallback xmlns="">
-          <p:pic>
-            <p:nvPicPr>
-              <p:cNvPr id="2" name="Ink 1">
-                <a:extLst>
-                  <a:ext uri="{FF2B5EF4-FFF2-40B4-BE49-F238E27FC236}">
-                    <a16:creationId xmlns:a16="http://schemas.microsoft.com/office/drawing/2014/main" id="{DE196E0B-D176-A559-6175-A6F0FFE13AC7}"/>
-                  </a:ext>
-                </a:extLst>
-              </p:cNvPr>
-              <p:cNvPicPr/>
-              <p:nvPr/>
-            </p:nvPicPr>
-            <p:blipFill>
-              <a:blip r:embed="rId10"/>
-              <a:stretch>
-                <a:fillRect/>
-              </a:stretch>
-            </p:blipFill>
-            <p:spPr>
-              <a:xfrm>
-                <a:off x="2362848" y="3021479"/>
-                <a:ext cx="360360" cy="216000"/>
-              </a:xfrm>
-              <a:prstGeom prst="rect">
-                <a:avLst/>
-              </a:prstGeom>
-            </p:spPr>
-          </p:pic>
-        </mc:Fallback>
-      </mc:AlternateContent>
-      <mc:AlternateContent xmlns:mc="http://schemas.openxmlformats.org/markup-compatibility/2006" xmlns:p14="http://schemas.microsoft.com/office/powerpoint/2010/main">
-        <mc:Choice Requires="p14">
-          <p:contentPart p14:bwMode="auto" r:id="rId11">
-            <p14:nvContentPartPr>
-              <p14:cNvPr id="3" name="Ink 2">
-                <a:extLst>
-                  <a:ext uri="{FF2B5EF4-FFF2-40B4-BE49-F238E27FC236}">
-                    <a16:creationId xmlns:a16="http://schemas.microsoft.com/office/drawing/2014/main" id="{C3D3D13C-1E39-8F34-366E-AD5FA656F490}"/>
-                  </a:ext>
-                </a:extLst>
-              </p14:cNvPr>
-              <p14:cNvContentPartPr/>
-              <p14:nvPr/>
-            </p14:nvContentPartPr>
-            <p14:xfrm>
-              <a:off x="2893128" y="3099599"/>
-              <a:ext cx="223560" cy="11520"/>
-            </p14:xfrm>
-          </p:contentPart>
-        </mc:Choice>
-        <mc:Fallback xmlns="">
-          <p:pic>
-            <p:nvPicPr>
-              <p:cNvPr id="3" name="Ink 2">
-                <a:extLst>
-                  <a:ext uri="{FF2B5EF4-FFF2-40B4-BE49-F238E27FC236}">
-                    <a16:creationId xmlns:a16="http://schemas.microsoft.com/office/drawing/2014/main" id="{C3D3D13C-1E39-8F34-366E-AD5FA656F490}"/>
-                  </a:ext>
-                </a:extLst>
-              </p:cNvPr>
-              <p:cNvPicPr/>
-              <p:nvPr/>
-            </p:nvPicPr>
-            <p:blipFill>
-              <a:blip r:embed="rId12"/>
-              <a:stretch>
-                <a:fillRect/>
-              </a:stretch>
-            </p:blipFill>
-            <p:spPr>
-              <a:xfrm>
-                <a:off x="2839128" y="2991599"/>
-                <a:ext cx="331200" cy="227160"/>
-              </a:xfrm>
-              <a:prstGeom prst="rect">
-                <a:avLst/>
-              </a:prstGeom>
-            </p:spPr>
-          </p:pic>
-        </mc:Fallback>
-      </mc:AlternateContent>
-      <mc:AlternateContent xmlns:mc="http://schemas.openxmlformats.org/markup-compatibility/2006" xmlns:p14="http://schemas.microsoft.com/office/powerpoint/2010/main">
-        <mc:Choice Requires="p14">
-          <p:contentPart p14:bwMode="auto" r:id="rId13">
-            <p14:nvContentPartPr>
-              <p14:cNvPr id="4" name="Ink 3">
-                <a:extLst>
-                  <a:ext uri="{FF2B5EF4-FFF2-40B4-BE49-F238E27FC236}">
-                    <a16:creationId xmlns:a16="http://schemas.microsoft.com/office/drawing/2014/main" id="{AADC0CCD-0595-2280-B848-D1F670388A2F}"/>
-                  </a:ext>
-                </a:extLst>
-              </p14:cNvPr>
-              <p14:cNvContentPartPr/>
-              <p14:nvPr/>
-            </p14:nvContentPartPr>
-            <p14:xfrm>
-              <a:off x="3457608" y="3089519"/>
-              <a:ext cx="509040" cy="30960"/>
-            </p14:xfrm>
-          </p:contentPart>
-        </mc:Choice>
-        <mc:Fallback xmlns="">
-          <p:pic>
-            <p:nvPicPr>
-              <p:cNvPr id="4" name="Ink 3">
-                <a:extLst>
-                  <a:ext uri="{FF2B5EF4-FFF2-40B4-BE49-F238E27FC236}">
-                    <a16:creationId xmlns:a16="http://schemas.microsoft.com/office/drawing/2014/main" id="{AADC0CCD-0595-2280-B848-D1F670388A2F}"/>
-                  </a:ext>
-                </a:extLst>
-              </p:cNvPr>
-              <p:cNvPicPr/>
-              <p:nvPr/>
-            </p:nvPicPr>
-            <p:blipFill>
-              <a:blip r:embed="rId14"/>
-              <a:stretch>
-                <a:fillRect/>
-              </a:stretch>
-            </p:blipFill>
-            <p:spPr>
-              <a:xfrm>
-                <a:off x="3403570" y="2981519"/>
-                <a:ext cx="616756" cy="246600"/>
-              </a:xfrm>
-              <a:prstGeom prst="rect">
-                <a:avLst/>
-              </a:prstGeom>
-            </p:spPr>
-          </p:pic>
-        </mc:Fallback>
-      </mc:AlternateContent>
-      <mc:AlternateContent xmlns:mc="http://schemas.openxmlformats.org/markup-compatibility/2006" xmlns:p14="http://schemas.microsoft.com/office/powerpoint/2010/main">
-        <mc:Choice Requires="p14">
-          <p:contentPart p14:bwMode="auto" r:id="rId15">
-            <p14:nvContentPartPr>
-              <p14:cNvPr id="5" name="Ink 4">
-                <a:extLst>
-                  <a:ext uri="{FF2B5EF4-FFF2-40B4-BE49-F238E27FC236}">
-                    <a16:creationId xmlns:a16="http://schemas.microsoft.com/office/drawing/2014/main" id="{50E4011C-B74A-DD7B-E124-B97973E27AF8}"/>
-                  </a:ext>
-                </a:extLst>
-              </p14:cNvPr>
-              <p14:cNvContentPartPr/>
-              <p14:nvPr/>
-            </p14:nvContentPartPr>
-            <p14:xfrm>
-              <a:off x="4177248" y="3100319"/>
-              <a:ext cx="933480" cy="11160"/>
-            </p14:xfrm>
-          </p:contentPart>
-        </mc:Choice>
-        <mc:Fallback xmlns="">
-          <p:pic>
-            <p:nvPicPr>
-              <p:cNvPr id="5" name="Ink 4">
-                <a:extLst>
-                  <a:ext uri="{FF2B5EF4-FFF2-40B4-BE49-F238E27FC236}">
-                    <a16:creationId xmlns:a16="http://schemas.microsoft.com/office/drawing/2014/main" id="{50E4011C-B74A-DD7B-E124-B97973E27AF8}"/>
-                  </a:ext>
-                </a:extLst>
-              </p:cNvPr>
-              <p:cNvPicPr/>
-              <p:nvPr/>
-            </p:nvPicPr>
-            <p:blipFill>
-              <a:blip r:embed="rId16"/>
-              <a:stretch>
-                <a:fillRect/>
-              </a:stretch>
-            </p:blipFill>
-            <p:spPr>
-              <a:xfrm>
-                <a:off x="4123248" y="2995694"/>
-                <a:ext cx="1041120" cy="220061"/>
-              </a:xfrm>
-              <a:prstGeom prst="rect">
-                <a:avLst/>
-              </a:prstGeom>
-            </p:spPr>
-          </p:pic>
-        </mc:Fallback>
-      </mc:AlternateContent>
-      <mc:AlternateContent xmlns:mc="http://schemas.openxmlformats.org/markup-compatibility/2006" xmlns:p14="http://schemas.microsoft.com/office/powerpoint/2010/main">
-        <mc:Choice Requires="p14">
-          <p:contentPart p14:bwMode="auto" r:id="rId17">
-            <p14:nvContentPartPr>
-              <p14:cNvPr id="6" name="Ink 5">
-                <a:extLst>
-                  <a:ext uri="{FF2B5EF4-FFF2-40B4-BE49-F238E27FC236}">
-                    <a16:creationId xmlns:a16="http://schemas.microsoft.com/office/drawing/2014/main" id="{7F7317FB-0EFF-F0F0-0807-9D836E882B17}"/>
-                  </a:ext>
-                </a:extLst>
-              </p14:cNvPr>
-              <p14:cNvContentPartPr/>
-              <p14:nvPr/>
-            </p14:nvContentPartPr>
-            <p14:xfrm>
-              <a:off x="5461368" y="3102479"/>
-              <a:ext cx="556920" cy="27720"/>
-            </p14:xfrm>
-          </p:contentPart>
-        </mc:Choice>
-        <mc:Fallback xmlns="">
-          <p:pic>
-            <p:nvPicPr>
-              <p:cNvPr id="6" name="Ink 5">
-                <a:extLst>
-                  <a:ext uri="{FF2B5EF4-FFF2-40B4-BE49-F238E27FC236}">
-                    <a16:creationId xmlns:a16="http://schemas.microsoft.com/office/drawing/2014/main" id="{7F7317FB-0EFF-F0F0-0807-9D836E882B17}"/>
-                  </a:ext>
-                </a:extLst>
-              </p:cNvPr>
-              <p:cNvPicPr/>
-              <p:nvPr/>
-            </p:nvPicPr>
-            <p:blipFill>
-              <a:blip r:embed="rId18"/>
-              <a:stretch>
-                <a:fillRect/>
-              </a:stretch>
-            </p:blipFill>
-            <p:spPr>
-              <a:xfrm>
-                <a:off x="5407333" y="2994479"/>
-                <a:ext cx="664630" cy="243360"/>
-              </a:xfrm>
-              <a:prstGeom prst="rect">
-                <a:avLst/>
-              </a:prstGeom>
-            </p:spPr>
-          </p:pic>
-        </mc:Fallback>
-      </mc:AlternateContent>
-      <mc:AlternateContent xmlns:mc="http://schemas.openxmlformats.org/markup-compatibility/2006" xmlns:p14="http://schemas.microsoft.com/office/powerpoint/2010/main">
-        <mc:Choice Requires="p14">
-          <p:contentPart p14:bwMode="auto" r:id="rId19">
-            <p14:nvContentPartPr>
-              <p14:cNvPr id="8" name="Ink 7">
-                <a:extLst>
-                  <a:ext uri="{FF2B5EF4-FFF2-40B4-BE49-F238E27FC236}">
-                    <a16:creationId xmlns:a16="http://schemas.microsoft.com/office/drawing/2014/main" id="{7757C395-9BEE-E05C-7A67-23420FCD0B93}"/>
-                  </a:ext>
-                </a:extLst>
-              </p14:cNvPr>
-              <p14:cNvContentPartPr/>
-              <p14:nvPr/>
-            </p14:nvContentPartPr>
-            <p14:xfrm>
-              <a:off x="1229928" y="3090599"/>
-              <a:ext cx="1026720" cy="21600"/>
-            </p14:xfrm>
-          </p:contentPart>
-        </mc:Choice>
-        <mc:Fallback xmlns="">
-          <p:pic>
-            <p:nvPicPr>
-              <p:cNvPr id="8" name="Ink 7">
-                <a:extLst>
-                  <a:ext uri="{FF2B5EF4-FFF2-40B4-BE49-F238E27FC236}">
-                    <a16:creationId xmlns:a16="http://schemas.microsoft.com/office/drawing/2014/main" id="{7757C395-9BEE-E05C-7A67-23420FCD0B93}"/>
-                  </a:ext>
-                </a:extLst>
-              </p:cNvPr>
-              <p:cNvPicPr/>
-              <p:nvPr/>
-            </p:nvPicPr>
-            <p:blipFill>
-              <a:blip r:embed="rId20"/>
-              <a:stretch>
-                <a:fillRect/>
-              </a:stretch>
-            </p:blipFill>
-            <p:spPr>
-              <a:xfrm>
-                <a:off x="1175928" y="2984369"/>
-                <a:ext cx="1134360" cy="233705"/>
-              </a:xfrm>
-              <a:prstGeom prst="rect">
-                <a:avLst/>
-              </a:prstGeom>
-            </p:spPr>
-          </p:pic>
-        </mc:Fallback>
-      </mc:AlternateContent>
-      <mc:AlternateContent xmlns:mc="http://schemas.openxmlformats.org/markup-compatibility/2006" xmlns:p14="http://schemas.microsoft.com/office/powerpoint/2010/main">
-        <mc:Choice Requires="p14">
-          <p:contentPart p14:bwMode="auto" r:id="rId21">
-            <p14:nvContentPartPr>
-              <p14:cNvPr id="12" name="Ink 11">
-                <a:extLst>
-                  <a:ext uri="{FF2B5EF4-FFF2-40B4-BE49-F238E27FC236}">
-                    <a16:creationId xmlns:a16="http://schemas.microsoft.com/office/drawing/2014/main" id="{F42DC317-8FAF-E585-BEA1-A1743FDA5650}"/>
-                  </a:ext>
-                </a:extLst>
-              </p14:cNvPr>
-              <p14:cNvContentPartPr/>
-              <p14:nvPr/>
-            </p14:nvContentPartPr>
-            <p14:xfrm>
-              <a:off x="782448" y="4266719"/>
-              <a:ext cx="1448640" cy="41040"/>
-            </p14:xfrm>
-          </p:contentPart>
-        </mc:Choice>
-        <mc:Fallback xmlns="">
-          <p:pic>
-            <p:nvPicPr>
-              <p:cNvPr id="12" name="Ink 11">
-                <a:extLst>
-                  <a:ext uri="{FF2B5EF4-FFF2-40B4-BE49-F238E27FC236}">
-                    <a16:creationId xmlns:a16="http://schemas.microsoft.com/office/drawing/2014/main" id="{F42DC317-8FAF-E585-BEA1-A1743FDA5650}"/>
-                  </a:ext>
-                </a:extLst>
-              </p:cNvPr>
-              <p:cNvPicPr/>
-              <p:nvPr/>
-            </p:nvPicPr>
-            <p:blipFill>
-              <a:blip r:embed="rId22"/>
-              <a:stretch>
-                <a:fillRect/>
-              </a:stretch>
-            </p:blipFill>
-            <p:spPr>
-              <a:xfrm>
-                <a:off x="728448" y="4157763"/>
-                <a:ext cx="1556280" cy="258588"/>
-              </a:xfrm>
-              <a:prstGeom prst="rect">
-                <a:avLst/>
-              </a:prstGeom>
-            </p:spPr>
-          </p:pic>
-        </mc:Fallback>
-      </mc:AlternateContent>
+      <p:pic>
+        <p:nvPicPr>
+          <p:cNvPr id="14" name="Picture 13">
+            <a:extLst>
+              <a:ext uri="{FF2B5EF4-FFF2-40B4-BE49-F238E27FC236}">
+                <a16:creationId xmlns:a16="http://schemas.microsoft.com/office/drawing/2014/main" id="{7CBF6C55-88DB-433E-F290-13DB5698DCEE}"/>
+              </a:ext>
+            </a:extLst>
+          </p:cNvPr>
+          <p:cNvPicPr>
+            <a:picLocks noChangeAspect="1"/>
+          </p:cNvPicPr>
+          <p:nvPr/>
+        </p:nvPicPr>
+        <p:blipFill>
+          <a:blip r:embed="rId9"/>
+          <a:stretch>
+            <a:fillRect/>
+          </a:stretch>
+        </p:blipFill>
+        <p:spPr>
+          <a:xfrm>
+            <a:off x="458928" y="2600700"/>
+            <a:ext cx="6300599" cy="2578160"/>
+          </a:xfrm>
+          <a:prstGeom prst="rect">
+            <a:avLst/>
+          </a:prstGeom>
+        </p:spPr>
+      </p:pic>
     </p:spTree>
     <p:extLst>
       <p:ext uri="{BB962C8B-B14F-4D97-AF65-F5344CB8AC3E}">
@@ -58610,7 +58096,7 @@
           <p:nvPr>
             <p:extLst>
               <p:ext uri="{D42A27DB-BD31-4B8C-83A1-F6EECF244321}">
-                <p14:modId xmlns:p14="http://schemas.microsoft.com/office/powerpoint/2010/main" val="2034117876"/>
+                <p14:modId xmlns:p14="http://schemas.microsoft.com/office/powerpoint/2010/main" val="2137409468"/>
               </p:ext>
             </p:extLst>
           </p:nvPr>
@@ -58627,10 +58113,10 @@
       </p:graphicFrame>
       <p:pic>
         <p:nvPicPr>
-          <p:cNvPr id="4" name="Picture 3">
+          <p:cNvPr id="7" name="Picture 6">
             <a:extLst>
               <a:ext uri="{FF2B5EF4-FFF2-40B4-BE49-F238E27FC236}">
-                <a16:creationId xmlns:a16="http://schemas.microsoft.com/office/drawing/2014/main" id="{9F9AC719-C34B-68F5-8F11-E846DD547964}"/>
+                <a16:creationId xmlns:a16="http://schemas.microsoft.com/office/drawing/2014/main" id="{D78D71C5-EDBB-2E98-232A-52B42EDB9A06}"/>
               </a:ext>
             </a:extLst>
           </p:cNvPr>
@@ -58647,8 +58133,8 @@
         </p:blipFill>
         <p:spPr>
           <a:xfrm>
-            <a:off x="205230" y="2476382"/>
-            <a:ext cx="5890770" cy="2004234"/>
+            <a:off x="252992" y="1843717"/>
+            <a:ext cx="6020322" cy="2674852"/>
           </a:xfrm>
           <a:prstGeom prst="rect">
             <a:avLst/>
@@ -58657,10 +58143,10 @@
       </p:pic>
       <p:pic>
         <p:nvPicPr>
-          <p:cNvPr id="8" name="Picture 7">
+          <p:cNvPr id="11" name="Picture 10">
             <a:extLst>
               <a:ext uri="{FF2B5EF4-FFF2-40B4-BE49-F238E27FC236}">
-                <a16:creationId xmlns:a16="http://schemas.microsoft.com/office/drawing/2014/main" id="{4631CA76-19E7-6F21-C814-9C1640EDBD9B}"/>
+                <a16:creationId xmlns:a16="http://schemas.microsoft.com/office/drawing/2014/main" id="{E9C1117D-EB50-5DE1-602C-93D045C6722F}"/>
               </a:ext>
             </a:extLst>
           </p:cNvPr>
@@ -58677,8 +58163,8 @@
         </p:blipFill>
         <p:spPr>
           <a:xfrm>
-            <a:off x="5837896" y="2195188"/>
-            <a:ext cx="5855466" cy="4196836"/>
+            <a:off x="6419190" y="1857433"/>
+            <a:ext cx="5303980" cy="3863675"/>
           </a:xfrm>
           <a:prstGeom prst="rect">
             <a:avLst/>
@@ -59687,10 +59173,10 @@
       </p:graphicFrame>
       <p:pic>
         <p:nvPicPr>
-          <p:cNvPr id="4" name="Picture 3">
+          <p:cNvPr id="6" name="Picture 5">
             <a:extLst>
               <a:ext uri="{FF2B5EF4-FFF2-40B4-BE49-F238E27FC236}">
-                <a16:creationId xmlns:a16="http://schemas.microsoft.com/office/drawing/2014/main" id="{2569A9EE-F889-CB7F-A5C5-99A94440BBBA}"/>
+                <a16:creationId xmlns:a16="http://schemas.microsoft.com/office/drawing/2014/main" id="{96011E18-095D-4A64-8370-17A833FE01B7}"/>
               </a:ext>
             </a:extLst>
           </p:cNvPr>
@@ -59707,8 +59193,8 @@
         </p:blipFill>
         <p:spPr>
           <a:xfrm>
-            <a:off x="98005" y="1605859"/>
-            <a:ext cx="6203424" cy="3976082"/>
+            <a:off x="6361369" y="1863525"/>
+            <a:ext cx="5447738" cy="3460750"/>
           </a:xfrm>
           <a:prstGeom prst="rect">
             <a:avLst/>
@@ -59717,10 +59203,10 @@
       </p:pic>
       <p:pic>
         <p:nvPicPr>
-          <p:cNvPr id="6" name="Picture 5">
+          <p:cNvPr id="5" name="Picture 4">
             <a:extLst>
               <a:ext uri="{FF2B5EF4-FFF2-40B4-BE49-F238E27FC236}">
-                <a16:creationId xmlns:a16="http://schemas.microsoft.com/office/drawing/2014/main" id="{96011E18-095D-4A64-8370-17A833FE01B7}"/>
+                <a16:creationId xmlns:a16="http://schemas.microsoft.com/office/drawing/2014/main" id="{E47FACB6-1575-A2DF-65D5-4F3AAB3E7EE2}"/>
               </a:ext>
             </a:extLst>
           </p:cNvPr>
@@ -59737,8 +59223,8 @@
         </p:blipFill>
         <p:spPr>
           <a:xfrm>
-            <a:off x="6361369" y="1863525"/>
-            <a:ext cx="5447738" cy="3460750"/>
+            <a:off x="187613" y="1607662"/>
+            <a:ext cx="6134632" cy="3642676"/>
           </a:xfrm>
           <a:prstGeom prst="rect">
             <a:avLst/>
